--- a/dokumentacja/dokumentacja_ostateczna/Prezentacja 2.pptx
+++ b/dokumentacja/dokumentacja_ostateczna/Prezentacja 2.pptx
@@ -23,6 +23,7 @@
     <p:sldId id="268" r:id="rId18"/>
     <p:sldId id="269" r:id="rId19"/>
     <p:sldId id="270" r:id="rId20"/>
+    <p:sldId id="271" r:id="rId21"/>
   </p:sldIdLst>
   <p:sldSz cy="5143500" cx="9144000"/>
   <p:notesSz cx="6858000" cy="9144000"/>
@@ -1083,6 +1084,111 @@
       <p:sp>
         <p:nvSpPr>
           <p:cNvPr id="154" name="Shape 154"/>
+          <p:cNvSpPr txBox="1"/>
+          <p:nvPr>
+            <p:ph idx="1" type="body"/>
+          </p:nvPr>
+        </p:nvSpPr>
+        <p:spPr>
+          <a:xfrm>
+            <a:off x="685800" y="4343400"/>
+            <a:ext cx="5486399" cy="4114800"/>
+          </a:xfrm>
+          <a:prstGeom prst="rect">
+            <a:avLst/>
+          </a:prstGeom>
+        </p:spPr>
+        <p:txBody>
+          <a:bodyPr anchorCtr="0" anchor="t" bIns="91425" lIns="91425" rIns="91425" tIns="91425">
+            <a:noAutofit/>
+          </a:bodyPr>
+          <a:lstStyle/>
+          <a:p>
+            <a:pPr>
+              <a:spcBef>
+                <a:spcPts val="0"/>
+              </a:spcBef>
+              <a:buNone/>
+            </a:pPr>
+            <a:r>
+              <a:t/>
+            </a:r>
+            <a:endParaRPr/>
+          </a:p>
+        </p:txBody>
+      </p:sp>
+    </p:spTree>
+  </p:cSld>
+  <p:clrMapOvr>
+    <a:masterClrMapping/>
+  </p:clrMapOvr>
+</p:notes>
+</file>
+
+<file path=ppt/notesSlides/notesSlide16.xml><?xml version="1.0" encoding="utf-8"?>
+<p:notes xmlns:a="http://schemas.openxmlformats.org/drawingml/2006/main" xmlns:r="http://schemas.openxmlformats.org/officeDocument/2006/relationships" xmlns:mc="http://schemas.openxmlformats.org/markup-compatibility/2006" xmlns:mv="urn:schemas-microsoft-com:mac:vml" xmlns:p="http://schemas.openxmlformats.org/presentationml/2006/main" xmlns:c="http://schemas.openxmlformats.org/drawingml/2006/chart" xmlns:dgm="http://schemas.openxmlformats.org/drawingml/2006/diagram" xmlns:o="urn:schemas-microsoft-com:office:office" xmlns:v="urn:schemas-microsoft-com:vml" xmlns:pvml="urn:schemas-microsoft-com:office:powerpoint" xmlns:com="http://schemas.openxmlformats.org/drawingml/2006/compatibility" xmlns:p14="http://schemas.microsoft.com/office/powerpoint/2010/main" showMasterPhAnim="0" showMasterSp="0">
+  <p:cSld>
+    <p:spTree>
+      <p:nvGrpSpPr>
+        <p:cNvPr id="158" name="Shape 158"/>
+        <p:cNvGrpSpPr/>
+        <p:nvPr/>
+      </p:nvGrpSpPr>
+      <p:grpSpPr>
+        <a:xfrm>
+          <a:off x="0" y="0"/>
+          <a:ext cx="0" cy="0"/>
+          <a:chOff x="0" y="0"/>
+          <a:chExt cx="0" cy="0"/>
+        </a:xfrm>
+      </p:grpSpPr>
+      <p:sp>
+        <p:nvSpPr>
+          <p:cNvPr id="159" name="Shape 159"/>
+          <p:cNvSpPr/>
+          <p:nvPr>
+            <p:ph idx="2" type="sldImg"/>
+          </p:nvPr>
+        </p:nvSpPr>
+        <p:spPr>
+          <a:xfrm>
+            <a:off x="381300" y="685800"/>
+            <a:ext cx="6096000" cy="3429000"/>
+          </a:xfrm>
+          <a:custGeom>
+            <a:pathLst>
+              <a:path extrusionOk="0" h="120000" w="120000">
+                <a:moveTo>
+                  <a:pt x="0" y="0"/>
+                </a:moveTo>
+                <a:lnTo>
+                  <a:pt x="120000" y="0"/>
+                </a:lnTo>
+                <a:lnTo>
+                  <a:pt x="120000" y="120000"/>
+                </a:lnTo>
+                <a:lnTo>
+                  <a:pt x="0" y="120000"/>
+                </a:lnTo>
+                <a:close/>
+              </a:path>
+            </a:pathLst>
+          </a:custGeom>
+          <a:noFill/>
+          <a:ln cap="flat" cmpd="sng" w="9525">
+            <a:solidFill>
+              <a:srgbClr val="000000"/>
+            </a:solidFill>
+            <a:prstDash val="solid"/>
+            <a:round/>
+            <a:headEnd len="med" w="med" type="none"/>
+            <a:tailEnd len="med" w="med" type="none"/>
+          </a:ln>
+        </p:spPr>
+      </p:sp>
+      <p:sp>
+        <p:nvSpPr>
+          <p:cNvPr id="160" name="Shape 160"/>
           <p:cNvSpPr txBox="1"/>
           <p:nvPr>
             <p:ph idx="1" type="body"/>
@@ -5539,6 +5645,213 @@
           <p:cNvPr id="150" name="Shape 150"/>
           <p:cNvSpPr txBox="1"/>
           <p:nvPr>
+            <p:ph type="title"/>
+          </p:nvPr>
+        </p:nvSpPr>
+        <p:spPr>
+          <a:xfrm>
+            <a:off x="457200" y="205978"/>
+            <a:ext cx="8229600" cy="857400"/>
+          </a:xfrm>
+          <a:prstGeom prst="rect">
+            <a:avLst/>
+          </a:prstGeom>
+        </p:spPr>
+        <p:txBody>
+          <a:bodyPr anchorCtr="0" anchor="b" bIns="91425" lIns="91425" rIns="91425" tIns="91425">
+            <a:noAutofit/>
+          </a:bodyPr>
+          <a:lstStyle/>
+          <a:p>
+            <a:pPr>
+              <a:spcBef>
+                <a:spcPts val="0"/>
+              </a:spcBef>
+              <a:buNone/>
+            </a:pPr>
+            <a:r>
+              <a:rPr lang="en"/>
+              <a:t>Podsumowanie</a:t>
+            </a:r>
+          </a:p>
+        </p:txBody>
+      </p:sp>
+      <p:sp>
+        <p:nvSpPr>
+          <p:cNvPr id="151" name="Shape 151"/>
+          <p:cNvSpPr txBox="1"/>
+          <p:nvPr>
+            <p:ph idx="1" type="body"/>
+          </p:nvPr>
+        </p:nvSpPr>
+        <p:spPr>
+          <a:xfrm>
+            <a:off x="457200" y="1200150"/>
+            <a:ext cx="8532299" cy="3725699"/>
+          </a:xfrm>
+          <a:prstGeom prst="rect">
+            <a:avLst/>
+          </a:prstGeom>
+        </p:spPr>
+        <p:txBody>
+          <a:bodyPr anchorCtr="0" anchor="t" bIns="91425" lIns="91425" rIns="91425" tIns="91425">
+            <a:noAutofit/>
+          </a:bodyPr>
+          <a:lstStyle/>
+          <a:p>
+            <a:pPr indent="-419100" lvl="0" marL="457200" rtl="0">
+              <a:spcBef>
+                <a:spcPts val="0"/>
+              </a:spcBef>
+              <a:buClr>
+                <a:schemeClr val="dk1"/>
+              </a:buClr>
+              <a:buSzPct val="100000"/>
+              <a:buFont typeface="Arial"/>
+              <a:buChar char="●"/>
+            </a:pPr>
+            <a:r>
+              <a:rPr lang="en"/>
+              <a:t>Zintegrowano dane z USA i WB</a:t>
+            </a:r>
+          </a:p>
+          <a:p>
+            <a:pPr indent="-419100" lvl="0" marL="457200" rtl="0">
+              <a:spcBef>
+                <a:spcPts val="0"/>
+              </a:spcBef>
+              <a:buClr>
+                <a:schemeClr val="dk1"/>
+              </a:buClr>
+              <a:buSzPct val="100000"/>
+              <a:buFont typeface="Arial"/>
+              <a:buChar char="●"/>
+            </a:pPr>
+            <a:r>
+              <a:rPr lang="en"/>
+              <a:t>Zrezygnowano z danych z polskiego POBR</a:t>
+            </a:r>
+          </a:p>
+          <a:p>
+            <a:pPr indent="-419100" lvl="0" marL="457200" rtl="0">
+              <a:spcBef>
+                <a:spcPts val="0"/>
+              </a:spcBef>
+              <a:buClr>
+                <a:schemeClr val="dk1"/>
+              </a:buClr>
+              <a:buSzPct val="100000"/>
+              <a:buFont typeface="Arial"/>
+              <a:buChar char="●"/>
+            </a:pPr>
+            <a:r>
+              <a:rPr lang="en"/>
+              <a:t>Przeprowadzono liczne analizy</a:t>
+            </a:r>
+          </a:p>
+          <a:p>
+            <a:pPr indent="-419100" lvl="0" marL="457200" rtl="0">
+              <a:spcBef>
+                <a:spcPts val="0"/>
+              </a:spcBef>
+              <a:buClr>
+                <a:schemeClr val="dk1"/>
+              </a:buClr>
+              <a:buSzPct val="100000"/>
+              <a:buFont typeface="Arial"/>
+              <a:buChar char="●"/>
+            </a:pPr>
+            <a:r>
+              <a:rPr lang="en"/>
+              <a:t>Postawiono i zweryfikowano 10 hipotez</a:t>
+            </a:r>
+          </a:p>
+          <a:p>
+            <a:pPr indent="-381000" lvl="1" marL="914400" rtl="0">
+              <a:spcBef>
+                <a:spcPts val="0"/>
+              </a:spcBef>
+              <a:buClr>
+                <a:schemeClr val="dk1"/>
+              </a:buClr>
+              <a:buSzPct val="80000"/>
+              <a:buFont typeface="Courier New"/>
+              <a:buChar char="o"/>
+            </a:pPr>
+            <a:r>
+              <a:rPr lang="en"/>
+              <a:t>Część hipotez potwierdziła się</a:t>
+            </a:r>
+          </a:p>
+          <a:p>
+            <a:pPr indent="-381000" lvl="1" marL="914400" rtl="0">
+              <a:spcBef>
+                <a:spcPts val="0"/>
+              </a:spcBef>
+              <a:buClr>
+                <a:schemeClr val="dk1"/>
+              </a:buClr>
+              <a:buSzPct val="80000"/>
+              <a:buFont typeface="Courier New"/>
+              <a:buChar char="o"/>
+            </a:pPr>
+            <a:r>
+              <a:rPr lang="en"/>
+              <a:t>Część potwierdziła się w pewnym stopniu</a:t>
+            </a:r>
+          </a:p>
+          <a:p>
+            <a:pPr indent="-381000" lvl="1" marL="914400">
+              <a:spcBef>
+                <a:spcPts val="0"/>
+              </a:spcBef>
+              <a:buClr>
+                <a:schemeClr val="dk1"/>
+              </a:buClr>
+              <a:buSzPct val="80000"/>
+              <a:buFont typeface="Courier New"/>
+              <a:buChar char="o"/>
+            </a:pPr>
+            <a:r>
+              <a:rPr lang="en"/>
+              <a:t>Niepotwierdzone hipotezy również dały istotne wnioski</a:t>
+            </a:r>
+          </a:p>
+        </p:txBody>
+      </p:sp>
+    </p:spTree>
+  </p:cSld>
+  <p:clrMapOvr>
+    <a:masterClrMapping/>
+  </p:clrMapOvr>
+  <p:transition spd="slow">
+    <p:cut/>
+  </p:transition>
+</p:sld>
+</file>
+
+<file path=ppt/slides/slide16.xml><?xml version="1.0" encoding="utf-8"?>
+<p:sld xmlns:a="http://schemas.openxmlformats.org/drawingml/2006/main" xmlns:r="http://schemas.openxmlformats.org/officeDocument/2006/relationships" xmlns:mc="http://schemas.openxmlformats.org/markup-compatibility/2006" xmlns:mv="urn:schemas-microsoft-com:mac:vml" xmlns:p="http://schemas.openxmlformats.org/presentationml/2006/main" xmlns:c="http://schemas.openxmlformats.org/drawingml/2006/chart" xmlns:dgm="http://schemas.openxmlformats.org/drawingml/2006/diagram" xmlns:o="urn:schemas-microsoft-com:office:office" xmlns:v="urn:schemas-microsoft-com:vml" xmlns:pvml="urn:schemas-microsoft-com:office:powerpoint" xmlns:com="http://schemas.openxmlformats.org/drawingml/2006/compatibility" xmlns:p14="http://schemas.microsoft.com/office/powerpoint/2010/main">
+  <p:cSld>
+    <p:spTree>
+      <p:nvGrpSpPr>
+        <p:cNvPr id="155" name="Shape 155"/>
+        <p:cNvGrpSpPr/>
+        <p:nvPr/>
+      </p:nvGrpSpPr>
+      <p:grpSpPr>
+        <a:xfrm>
+          <a:off x="0" y="0"/>
+          <a:ext cx="0" cy="0"/>
+          <a:chOff x="0" y="0"/>
+          <a:chExt cx="0" cy="0"/>
+        </a:xfrm>
+      </p:grpSpPr>
+      <p:sp>
+        <p:nvSpPr>
+          <p:cNvPr id="156" name="Shape 156"/>
+          <p:cNvSpPr txBox="1"/>
+          <p:nvPr>
             <p:ph type="ctrTitle"/>
           </p:nvPr>
         </p:nvSpPr>
@@ -5572,7 +5885,7 @@
       </p:sp>
       <p:sp>
         <p:nvSpPr>
-          <p:cNvPr id="151" name="Shape 151"/>
+          <p:cNvPr id="157" name="Shape 157"/>
           <p:cNvSpPr txBox="1"/>
           <p:nvPr>
             <p:ph idx="1" type="subTitle"/>
@@ -5977,7 +6290,7 @@
             <a:tbl>
               <a:tblPr>
                 <a:noFill/>
-                <a:tableStyleId>{1FD09DC0-F693-468D-8009-01EF30A90712}</a:tableStyleId>
+                <a:tableStyleId>{BEB2F2FA-198B-4C3B-8C95-833E042D9802}</a:tableStyleId>
               </a:tblPr>
               <a:tblGrid>
                 <a:gridCol w="971550"/>
@@ -6668,7 +6981,7 @@
             <a:tbl>
               <a:tblPr>
                 <a:noFill/>
-                <a:tableStyleId>{A6AC9EF0-D490-443C-B781-361C599E2286}</a:tableStyleId>
+                <a:tableStyleId>{A9A75618-0263-4EFB-A2DF-0A5AA43117D5}</a:tableStyleId>
               </a:tblPr>
               <a:tblGrid>
                 <a:gridCol w="1000675"/>
@@ -7613,7 +7926,7 @@
             <a:tbl>
               <a:tblPr>
                 <a:noFill/>
-                <a:tableStyleId>{C04ED015-1B5D-4362-9CC8-55E13355FDCC}</a:tableStyleId>
+                <a:tableStyleId>{522F8F8C-FD13-4260-A344-33AB333D4CDD}</a:tableStyleId>
               </a:tblPr>
               <a:tblGrid>
                 <a:gridCol w="1634475"/>
@@ -8025,7 +8338,7 @@
             <a:tbl>
               <a:tblPr>
                 <a:noFill/>
-                <a:tableStyleId>{9D7AF3DC-7CD0-40C6-87AB-433B8C4048EA}</a:tableStyleId>
+                <a:tableStyleId>{399831F0-B357-4DEB-AF39-D88B957770F0}</a:tableStyleId>
               </a:tblPr>
               <a:tblGrid>
                 <a:gridCol w="1634475"/>
